--- a/branch.pptx
+++ b/branch.pptx
@@ -263,7 +263,7 @@
           <a:p>
             <a:fld id="{42AB81E2-2E7B-B344-9159-A676E4F74E42}" type="datetimeFigureOut">
               <a:rPr lang="en-KR" smtClean="0"/>
-              <a:t>1/11/24</a:t>
+              <a:t>01/11/2024</a:t>
             </a:fld>
             <a:endParaRPr lang="en-KR"/>
           </a:p>
@@ -463,7 +463,7 @@
           <a:p>
             <a:fld id="{42AB81E2-2E7B-B344-9159-A676E4F74E42}" type="datetimeFigureOut">
               <a:rPr lang="en-KR" smtClean="0"/>
-              <a:t>1/11/24</a:t>
+              <a:t>01/11/2024</a:t>
             </a:fld>
             <a:endParaRPr lang="en-KR"/>
           </a:p>
@@ -673,7 +673,7 @@
           <a:p>
             <a:fld id="{42AB81E2-2E7B-B344-9159-A676E4F74E42}" type="datetimeFigureOut">
               <a:rPr lang="en-KR" smtClean="0"/>
-              <a:t>1/11/24</a:t>
+              <a:t>01/11/2024</a:t>
             </a:fld>
             <a:endParaRPr lang="en-KR"/>
           </a:p>
@@ -873,7 +873,7 @@
           <a:p>
             <a:fld id="{42AB81E2-2E7B-B344-9159-A676E4F74E42}" type="datetimeFigureOut">
               <a:rPr lang="en-KR" smtClean="0"/>
-              <a:t>1/11/24</a:t>
+              <a:t>01/11/2024</a:t>
             </a:fld>
             <a:endParaRPr lang="en-KR"/>
           </a:p>
@@ -1149,7 +1149,7 @@
           <a:p>
             <a:fld id="{42AB81E2-2E7B-B344-9159-A676E4F74E42}" type="datetimeFigureOut">
               <a:rPr lang="en-KR" smtClean="0"/>
-              <a:t>1/11/24</a:t>
+              <a:t>01/11/2024</a:t>
             </a:fld>
             <a:endParaRPr lang="en-KR"/>
           </a:p>
@@ -1417,7 +1417,7 @@
           <a:p>
             <a:fld id="{42AB81E2-2E7B-B344-9159-A676E4F74E42}" type="datetimeFigureOut">
               <a:rPr lang="en-KR" smtClean="0"/>
-              <a:t>1/11/24</a:t>
+              <a:t>01/11/2024</a:t>
             </a:fld>
             <a:endParaRPr lang="en-KR"/>
           </a:p>
@@ -1832,7 +1832,7 @@
           <a:p>
             <a:fld id="{42AB81E2-2E7B-B344-9159-A676E4F74E42}" type="datetimeFigureOut">
               <a:rPr lang="en-KR" smtClean="0"/>
-              <a:t>1/11/24</a:t>
+              <a:t>01/11/2024</a:t>
             </a:fld>
             <a:endParaRPr lang="en-KR"/>
           </a:p>
@@ -1974,7 +1974,7 @@
           <a:p>
             <a:fld id="{42AB81E2-2E7B-B344-9159-A676E4F74E42}" type="datetimeFigureOut">
               <a:rPr lang="en-KR" smtClean="0"/>
-              <a:t>1/11/24</a:t>
+              <a:t>01/11/2024</a:t>
             </a:fld>
             <a:endParaRPr lang="en-KR"/>
           </a:p>
@@ -2087,7 +2087,7 @@
           <a:p>
             <a:fld id="{42AB81E2-2E7B-B344-9159-A676E4F74E42}" type="datetimeFigureOut">
               <a:rPr lang="en-KR" smtClean="0"/>
-              <a:t>1/11/24</a:t>
+              <a:t>01/11/2024</a:t>
             </a:fld>
             <a:endParaRPr lang="en-KR"/>
           </a:p>
@@ -2400,7 +2400,7 @@
           <a:p>
             <a:fld id="{42AB81E2-2E7B-B344-9159-A676E4F74E42}" type="datetimeFigureOut">
               <a:rPr lang="en-KR" smtClean="0"/>
-              <a:t>1/11/24</a:t>
+              <a:t>01/11/2024</a:t>
             </a:fld>
             <a:endParaRPr lang="en-KR"/>
           </a:p>
@@ -2689,7 +2689,7 @@
           <a:p>
             <a:fld id="{42AB81E2-2E7B-B344-9159-A676E4F74E42}" type="datetimeFigureOut">
               <a:rPr lang="en-KR" smtClean="0"/>
-              <a:t>1/11/24</a:t>
+              <a:t>01/11/2024</a:t>
             </a:fld>
             <a:endParaRPr lang="en-KR"/>
           </a:p>
@@ -2932,7 +2932,7 @@
           <a:p>
             <a:fld id="{42AB81E2-2E7B-B344-9159-A676E4F74E42}" type="datetimeFigureOut">
               <a:rPr lang="en-KR" smtClean="0"/>
-              <a:t>1/11/24</a:t>
+              <a:t>01/11/2024</a:t>
             </a:fld>
             <a:endParaRPr lang="en-KR"/>
           </a:p>
@@ -3365,7 +3365,7 @@
                 <a16:creationId xmlns:a16="http://schemas.microsoft.com/office/drawing/2014/main" id="{934F1179-B481-4F9E-BCA3-AFB972070F83}"/>
               </a:ext>
               <a:ext uri="{C183D7F6-B498-43B3-948B-1728B52AA6E4}">
-                <adec:decorative xmlns:adec="http://schemas.microsoft.com/office/drawing/2017/decorative" val="1"/>
+                <adec:decorative xmlns:adec="http://schemas.microsoft.com/office/drawing/2017/decorative" xmlns="" val="1"/>
               </a:ext>
             </a:extLst>
           </p:cNvPr>
@@ -3425,7 +3425,7 @@
                 <a16:creationId xmlns:a16="http://schemas.microsoft.com/office/drawing/2014/main" id="{827DC2C4-B485-428A-BF4A-472D2967F47F}"/>
               </a:ext>
               <a:ext uri="{C183D7F6-B498-43B3-948B-1728B52AA6E4}">
-                <adec:decorative xmlns:adec="http://schemas.microsoft.com/office/drawing/2017/decorative" val="1"/>
+                <adec:decorative xmlns:adec="http://schemas.microsoft.com/office/drawing/2017/decorative" xmlns="" val="1"/>
               </a:ext>
             </a:extLst>
           </p:cNvPr>
@@ -3488,7 +3488,7 @@
                 <a16:creationId xmlns:a16="http://schemas.microsoft.com/office/drawing/2014/main" id="{EE04B5EB-F158-4507-90DD-BD23620C7CC9}"/>
               </a:ext>
               <a:ext uri="{C183D7F6-B498-43B3-948B-1728B52AA6E4}">
-                <adec:decorative xmlns:adec="http://schemas.microsoft.com/office/drawing/2017/decorative" val="1"/>
+                <adec:decorative xmlns:adec="http://schemas.microsoft.com/office/drawing/2017/decorative" xmlns="" val="1"/>
               </a:ext>
             </a:extLst>
           </p:cNvPr>
@@ -3830,8 +3830,8 @@
         </p:nvSpPr>
         <p:spPr>
           <a:xfrm>
-            <a:off x="2319549" y="2321004"/>
-            <a:ext cx="7552901" cy="2215991"/>
+            <a:off x="619336" y="2321004"/>
+            <a:ext cx="10704277" cy="2215991"/>
           </a:xfrm>
           <a:prstGeom prst="rect">
             <a:avLst/>
@@ -3850,8 +3850,37 @@
                   <a:srgbClr val="FF0000"/>
                 </a:solidFill>
               </a:rPr>
-              <a:t>Thank You</a:t>
-            </a:r>
+              <a:t>Thank </a:t>
+            </a:r>
+            <a:r>
+              <a:rPr lang="en-KR" sz="13800" smtClean="0">
+                <a:solidFill>
+                  <a:srgbClr val="FF0000"/>
+                </a:solidFill>
+              </a:rPr>
+              <a:t>You</a:t>
+            </a:r>
+            <a:r>
+              <a:rPr lang="en-US" sz="13800" dirty="0" smtClean="0">
+                <a:solidFill>
+                  <a:srgbClr val="FF0000"/>
+                </a:solidFill>
+              </a:rPr>
+              <a:t> </a:t>
+            </a:r>
+            <a:r>
+              <a:rPr lang="en-US" altLang="ko-KR" sz="13800" dirty="0" smtClean="0">
+                <a:solidFill>
+                  <a:srgbClr val="FF0000"/>
+                </a:solidFill>
+              </a:rPr>
+              <a:t>&lt;3</a:t>
+            </a:r>
+            <a:endParaRPr lang="en-KR" sz="13800" dirty="0">
+              <a:solidFill>
+                <a:srgbClr val="FF0000"/>
+              </a:solidFill>
+            </a:endParaRPr>
           </a:p>
         </p:txBody>
       </p:sp>
